--- a/Share/游戏想法_李硕.pptx
+++ b/Share/游戏想法_李硕.pptx
@@ -4406,8 +4406,8 @@
         </p:nvGrpSpPr>
         <p:grpSpPr>
           <a:xfrm>
-            <a:off x="3398706" y="2034122"/>
-            <a:ext cx="6950251" cy="3598140"/>
+            <a:off x="3398706" y="2004917"/>
+            <a:ext cx="6950251" cy="3430208"/>
             <a:chOff x="3398706" y="2034122"/>
             <a:chExt cx="6950251" cy="3598140"/>
           </a:xfrm>

--- a/Share/游戏想法_李硕.pptx
+++ b/Share/游戏想法_李硕.pptx
@@ -204,7 +204,7 @@
           <a:p>
             <a:fld id="{D2A48B96-639E-45A3-A0BA-2464DFDB1FAA}" type="datetimeFigureOut">
               <a:rPr lang="zh-CN" altLang="en-US" smtClean="0"/>
-              <a:t>2018/3/7</a:t>
+              <a:t>2018/3/13</a:t>
             </a:fld>
             <a:endParaRPr lang="zh-CN" altLang="en-US"/>
           </a:p>
@@ -603,7 +603,7 @@
           <a:p>
             <a:fld id="{D997B5FA-0921-464F-AAE1-844C04324D75}" type="datetimeFigureOut">
               <a:rPr lang="zh-CN" altLang="en-US" smtClean="0"/>
-              <a:t>2018/3/7</a:t>
+              <a:t>2018/3/13</a:t>
             </a:fld>
             <a:endParaRPr lang="zh-CN" altLang="en-US"/>
           </a:p>
@@ -772,7 +772,7 @@
           <a:p>
             <a:fld id="{D997B5FA-0921-464F-AAE1-844C04324D75}" type="datetimeFigureOut">
               <a:rPr lang="zh-CN" altLang="en-US" smtClean="0"/>
-              <a:t>2018/3/7</a:t>
+              <a:t>2018/3/13</a:t>
             </a:fld>
             <a:endParaRPr lang="zh-CN" altLang="en-US"/>
           </a:p>
@@ -951,7 +951,7 @@
           <a:p>
             <a:fld id="{D997B5FA-0921-464F-AAE1-844C04324D75}" type="datetimeFigureOut">
               <a:rPr lang="zh-CN" altLang="en-US" smtClean="0"/>
-              <a:t>2018/3/7</a:t>
+              <a:t>2018/3/13</a:t>
             </a:fld>
             <a:endParaRPr lang="zh-CN" altLang="en-US"/>
           </a:p>
@@ -1120,7 +1120,7 @@
           <a:p>
             <a:fld id="{D997B5FA-0921-464F-AAE1-844C04324D75}" type="datetimeFigureOut">
               <a:rPr lang="zh-CN" altLang="en-US" smtClean="0"/>
-              <a:t>2018/3/7</a:t>
+              <a:t>2018/3/13</a:t>
             </a:fld>
             <a:endParaRPr lang="zh-CN" altLang="en-US"/>
           </a:p>
@@ -1365,7 +1365,7 @@
           <a:p>
             <a:fld id="{D997B5FA-0921-464F-AAE1-844C04324D75}" type="datetimeFigureOut">
               <a:rPr lang="zh-CN" altLang="en-US" smtClean="0"/>
-              <a:t>2018/3/7</a:t>
+              <a:t>2018/3/13</a:t>
             </a:fld>
             <a:endParaRPr lang="zh-CN" altLang="en-US"/>
           </a:p>
@@ -1596,7 +1596,7 @@
           <a:p>
             <a:fld id="{D997B5FA-0921-464F-AAE1-844C04324D75}" type="datetimeFigureOut">
               <a:rPr lang="zh-CN" altLang="en-US" smtClean="0"/>
-              <a:t>2018/3/7</a:t>
+              <a:t>2018/3/13</a:t>
             </a:fld>
             <a:endParaRPr lang="zh-CN" altLang="en-US"/>
           </a:p>
@@ -1962,7 +1962,7 @@
           <a:p>
             <a:fld id="{D997B5FA-0921-464F-AAE1-844C04324D75}" type="datetimeFigureOut">
               <a:rPr lang="zh-CN" altLang="en-US" smtClean="0"/>
-              <a:t>2018/3/7</a:t>
+              <a:t>2018/3/13</a:t>
             </a:fld>
             <a:endParaRPr lang="zh-CN" altLang="en-US"/>
           </a:p>
@@ -2079,7 +2079,7 @@
           <a:p>
             <a:fld id="{D997B5FA-0921-464F-AAE1-844C04324D75}" type="datetimeFigureOut">
               <a:rPr lang="zh-CN" altLang="en-US" smtClean="0"/>
-              <a:t>2018/3/7</a:t>
+              <a:t>2018/3/13</a:t>
             </a:fld>
             <a:endParaRPr lang="zh-CN" altLang="en-US"/>
           </a:p>
@@ -2173,7 +2173,7 @@
           <a:p>
             <a:fld id="{D997B5FA-0921-464F-AAE1-844C04324D75}" type="datetimeFigureOut">
               <a:rPr lang="zh-CN" altLang="en-US" smtClean="0"/>
-              <a:t>2018/3/7</a:t>
+              <a:t>2018/3/13</a:t>
             </a:fld>
             <a:endParaRPr lang="zh-CN" altLang="en-US"/>
           </a:p>
@@ -2449,7 +2449,7 @@
           <a:p>
             <a:fld id="{D997B5FA-0921-464F-AAE1-844C04324D75}" type="datetimeFigureOut">
               <a:rPr lang="zh-CN" altLang="en-US" smtClean="0"/>
-              <a:t>2018/3/7</a:t>
+              <a:t>2018/3/13</a:t>
             </a:fld>
             <a:endParaRPr lang="zh-CN" altLang="en-US"/>
           </a:p>
@@ -2701,7 +2701,7 @@
           <a:p>
             <a:fld id="{D997B5FA-0921-464F-AAE1-844C04324D75}" type="datetimeFigureOut">
               <a:rPr lang="zh-CN" altLang="en-US" smtClean="0"/>
-              <a:t>2018/3/7</a:t>
+              <a:t>2018/3/13</a:t>
             </a:fld>
             <a:endParaRPr lang="zh-CN" altLang="en-US"/>
           </a:p>
@@ -2913,7 +2913,7 @@
           <a:p>
             <a:fld id="{D997B5FA-0921-464F-AAE1-844C04324D75}" type="datetimeFigureOut">
               <a:rPr lang="zh-CN" altLang="en-US" smtClean="0"/>
-              <a:t>2018/3/7</a:t>
+              <a:t>2018/3/13</a:t>
             </a:fld>
             <a:endParaRPr lang="zh-CN" altLang="en-US"/>
           </a:p>
@@ -5215,6 +5215,39 @@
                 <a:srgbClr val="799594"/>
               </a:solidFill>
             </a:endParaRPr>
+          </a:p>
+        </p:txBody>
+      </p:sp>
+      <p:sp>
+        <p:nvSpPr>
+          <p:cNvPr id="2" name="TextBox 1"/>
+          <p:cNvSpPr txBox="1"/>
+          <p:nvPr/>
+        </p:nvSpPr>
+        <p:spPr>
+          <a:xfrm>
+            <a:off x="587141" y="2914116"/>
+            <a:ext cx="1156201" cy="646331"/>
+          </a:xfrm>
+          <a:prstGeom prst="rect">
+            <a:avLst/>
+          </a:prstGeom>
+          <a:noFill/>
+        </p:spPr>
+        <p:txBody>
+          <a:bodyPr wrap="square" rtlCol="0">
+            <a:spAutoFit/>
+          </a:bodyPr>
+          <a:lstStyle/>
+          <a:p>
+            <a:r>
+              <a:rPr lang="zh-CN" altLang="en-US" dirty="0" smtClean="0"/>
+              <a:t>时间系统</a:t>
+            </a:r>
+            <a:endParaRPr lang="en-US" altLang="zh-CN" dirty="0" smtClean="0"/>
+          </a:p>
+          <a:p>
+            <a:endParaRPr lang="en-US" altLang="zh-CN" dirty="0" smtClean="0"/>
           </a:p>
         </p:txBody>
       </p:sp>

--- a/Share/游戏想法_李硕.pptx
+++ b/Share/游戏想法_李硕.pptx
@@ -5,17 +5,18 @@
     <p:sldMasterId id="2147483648" r:id="rId1"/>
   </p:sldMasterIdLst>
   <p:notesMasterIdLst>
-    <p:notesMasterId r:id="rId10"/>
+    <p:notesMasterId r:id="rId11"/>
   </p:notesMasterIdLst>
   <p:sldIdLst>
     <p:sldId id="257" r:id="rId2"/>
     <p:sldId id="259" r:id="rId3"/>
     <p:sldId id="260" r:id="rId4"/>
     <p:sldId id="261" r:id="rId5"/>
-    <p:sldId id="262" r:id="rId6"/>
-    <p:sldId id="263" r:id="rId7"/>
-    <p:sldId id="264" r:id="rId8"/>
-    <p:sldId id="265" r:id="rId9"/>
+    <p:sldId id="266" r:id="rId6"/>
+    <p:sldId id="262" r:id="rId7"/>
+    <p:sldId id="263" r:id="rId8"/>
+    <p:sldId id="264" r:id="rId9"/>
+    <p:sldId id="265" r:id="rId10"/>
   </p:sldIdLst>
   <p:sldSz cx="12192000" cy="6858000"/>
   <p:notesSz cx="6858000" cy="9144000"/>
@@ -204,7 +205,7 @@
           <a:p>
             <a:fld id="{D2A48B96-639E-45A3-A0BA-2464DFDB1FAA}" type="datetimeFigureOut">
               <a:rPr lang="zh-CN" altLang="en-US" smtClean="0"/>
-              <a:t>2018/3/13</a:t>
+              <a:t>2018/3/18</a:t>
             </a:fld>
             <a:endParaRPr lang="zh-CN" altLang="en-US"/>
           </a:p>
@@ -603,7 +604,7 @@
           <a:p>
             <a:fld id="{D997B5FA-0921-464F-AAE1-844C04324D75}" type="datetimeFigureOut">
               <a:rPr lang="zh-CN" altLang="en-US" smtClean="0"/>
-              <a:t>2018/3/13</a:t>
+              <a:t>2018/3/18</a:t>
             </a:fld>
             <a:endParaRPr lang="zh-CN" altLang="en-US"/>
           </a:p>
@@ -772,7 +773,7 @@
           <a:p>
             <a:fld id="{D997B5FA-0921-464F-AAE1-844C04324D75}" type="datetimeFigureOut">
               <a:rPr lang="zh-CN" altLang="en-US" smtClean="0"/>
-              <a:t>2018/3/13</a:t>
+              <a:t>2018/3/18</a:t>
             </a:fld>
             <a:endParaRPr lang="zh-CN" altLang="en-US"/>
           </a:p>
@@ -951,7 +952,7 @@
           <a:p>
             <a:fld id="{D997B5FA-0921-464F-AAE1-844C04324D75}" type="datetimeFigureOut">
               <a:rPr lang="zh-CN" altLang="en-US" smtClean="0"/>
-              <a:t>2018/3/13</a:t>
+              <a:t>2018/3/18</a:t>
             </a:fld>
             <a:endParaRPr lang="zh-CN" altLang="en-US"/>
           </a:p>
@@ -1120,7 +1121,7 @@
           <a:p>
             <a:fld id="{D997B5FA-0921-464F-AAE1-844C04324D75}" type="datetimeFigureOut">
               <a:rPr lang="zh-CN" altLang="en-US" smtClean="0"/>
-              <a:t>2018/3/13</a:t>
+              <a:t>2018/3/18</a:t>
             </a:fld>
             <a:endParaRPr lang="zh-CN" altLang="en-US"/>
           </a:p>
@@ -1365,7 +1366,7 @@
           <a:p>
             <a:fld id="{D997B5FA-0921-464F-AAE1-844C04324D75}" type="datetimeFigureOut">
               <a:rPr lang="zh-CN" altLang="en-US" smtClean="0"/>
-              <a:t>2018/3/13</a:t>
+              <a:t>2018/3/18</a:t>
             </a:fld>
             <a:endParaRPr lang="zh-CN" altLang="en-US"/>
           </a:p>
@@ -1596,7 +1597,7 @@
           <a:p>
             <a:fld id="{D997B5FA-0921-464F-AAE1-844C04324D75}" type="datetimeFigureOut">
               <a:rPr lang="zh-CN" altLang="en-US" smtClean="0"/>
-              <a:t>2018/3/13</a:t>
+              <a:t>2018/3/18</a:t>
             </a:fld>
             <a:endParaRPr lang="zh-CN" altLang="en-US"/>
           </a:p>
@@ -1962,7 +1963,7 @@
           <a:p>
             <a:fld id="{D997B5FA-0921-464F-AAE1-844C04324D75}" type="datetimeFigureOut">
               <a:rPr lang="zh-CN" altLang="en-US" smtClean="0"/>
-              <a:t>2018/3/13</a:t>
+              <a:t>2018/3/18</a:t>
             </a:fld>
             <a:endParaRPr lang="zh-CN" altLang="en-US"/>
           </a:p>
@@ -2079,7 +2080,7 @@
           <a:p>
             <a:fld id="{D997B5FA-0921-464F-AAE1-844C04324D75}" type="datetimeFigureOut">
               <a:rPr lang="zh-CN" altLang="en-US" smtClean="0"/>
-              <a:t>2018/3/13</a:t>
+              <a:t>2018/3/18</a:t>
             </a:fld>
             <a:endParaRPr lang="zh-CN" altLang="en-US"/>
           </a:p>
@@ -2173,7 +2174,7 @@
           <a:p>
             <a:fld id="{D997B5FA-0921-464F-AAE1-844C04324D75}" type="datetimeFigureOut">
               <a:rPr lang="zh-CN" altLang="en-US" smtClean="0"/>
-              <a:t>2018/3/13</a:t>
+              <a:t>2018/3/18</a:t>
             </a:fld>
             <a:endParaRPr lang="zh-CN" altLang="en-US"/>
           </a:p>
@@ -2449,7 +2450,7 @@
           <a:p>
             <a:fld id="{D997B5FA-0921-464F-AAE1-844C04324D75}" type="datetimeFigureOut">
               <a:rPr lang="zh-CN" altLang="en-US" smtClean="0"/>
-              <a:t>2018/3/13</a:t>
+              <a:t>2018/3/18</a:t>
             </a:fld>
             <a:endParaRPr lang="zh-CN" altLang="en-US"/>
           </a:p>
@@ -2701,7 +2702,7 @@
           <a:p>
             <a:fld id="{D997B5FA-0921-464F-AAE1-844C04324D75}" type="datetimeFigureOut">
               <a:rPr lang="zh-CN" altLang="en-US" smtClean="0"/>
-              <a:t>2018/3/13</a:t>
+              <a:t>2018/3/18</a:t>
             </a:fld>
             <a:endParaRPr lang="zh-CN" altLang="en-US"/>
           </a:p>
@@ -2913,7 +2914,7 @@
           <a:p>
             <a:fld id="{D997B5FA-0921-464F-AAE1-844C04324D75}" type="datetimeFigureOut">
               <a:rPr lang="zh-CN" altLang="en-US" smtClean="0"/>
-              <a:t>2018/3/13</a:t>
+              <a:t>2018/3/18</a:t>
             </a:fld>
             <a:endParaRPr lang="zh-CN" altLang="en-US"/>
           </a:p>
@@ -4842,7 +4843,15 @@
                   <a:schemeClr val="bg1"/>
                 </a:solidFill>
               </a:rPr>
-              <a:t>剧情向，悬念重重，出人意料</a:t>
+              <a:t>剧情向，悬念重重，出人意</a:t>
+            </a:r>
+            <a:r>
+              <a:rPr lang="zh-CN" altLang="en-US" sz="2500" dirty="0" smtClean="0">
+                <a:solidFill>
+                  <a:schemeClr val="bg1"/>
+                </a:solidFill>
+              </a:rPr>
+              <a:t>料（做这个）</a:t>
             </a:r>
             <a:endParaRPr lang="zh-CN" altLang="en-US" sz="2500" dirty="0">
               <a:solidFill>
@@ -5215,39 +5224,6 @@
                 <a:srgbClr val="799594"/>
               </a:solidFill>
             </a:endParaRPr>
-          </a:p>
-        </p:txBody>
-      </p:sp>
-      <p:sp>
-        <p:nvSpPr>
-          <p:cNvPr id="2" name="TextBox 1"/>
-          <p:cNvSpPr txBox="1"/>
-          <p:nvPr/>
-        </p:nvSpPr>
-        <p:spPr>
-          <a:xfrm>
-            <a:off x="587141" y="2914116"/>
-            <a:ext cx="1156201" cy="646331"/>
-          </a:xfrm>
-          <a:prstGeom prst="rect">
-            <a:avLst/>
-          </a:prstGeom>
-          <a:noFill/>
-        </p:spPr>
-        <p:txBody>
-          <a:bodyPr wrap="square" rtlCol="0">
-            <a:spAutoFit/>
-          </a:bodyPr>
-          <a:lstStyle/>
-          <a:p>
-            <a:r>
-              <a:rPr lang="zh-CN" altLang="en-US" dirty="0" smtClean="0"/>
-              <a:t>时间系统</a:t>
-            </a:r>
-            <a:endParaRPr lang="en-US" altLang="zh-CN" dirty="0" smtClean="0"/>
-          </a:p>
-          <a:p>
-            <a:endParaRPr lang="en-US" altLang="zh-CN" dirty="0" smtClean="0"/>
           </a:p>
         </p:txBody>
       </p:sp>
@@ -5353,13 +5329,18 @@
             <a:p>
               <a:pPr algn="ctr"/>
               <a:r>
-                <a:rPr lang="zh-CN" altLang="en-US" sz="5000" b="1" dirty="0">
+                <a:rPr lang="en-US" altLang="zh-CN" sz="5000" b="1" dirty="0">
                   <a:solidFill>
                     <a:prstClr val="white"/>
                   </a:solidFill>
                 </a:rPr>
-                <a:t>解谜</a:t>
+                <a:t>RPG</a:t>
               </a:r>
+              <a:endParaRPr lang="zh-CN" altLang="en-US" sz="5000" b="1" dirty="0">
+                <a:solidFill>
+                  <a:prstClr val="white"/>
+                </a:solidFill>
+              </a:endParaRPr>
             </a:p>
           </p:txBody>
         </p:sp>
@@ -5434,8 +5415,8 @@
         </p:nvSpPr>
         <p:spPr>
           <a:xfrm>
-            <a:off x="3398706" y="739614"/>
-            <a:ext cx="6950251" cy="699698"/>
+            <a:off x="3398707" y="739614"/>
+            <a:ext cx="1754408" cy="567893"/>
           </a:xfrm>
           <a:prstGeom prst="roundRect">
             <a:avLst>
@@ -5474,242 +5455,212 @@
             <a:r>
               <a:rPr lang="zh-CN" altLang="en-US" sz="2500" dirty="0" smtClean="0">
                 <a:solidFill>
-                  <a:schemeClr val="bg1"/>
+                  <a:prstClr val="white"/>
                 </a:solidFill>
               </a:rPr>
-              <a:t>剧情向，探索</a:t>
+              <a:t>核心玩法</a:t>
             </a:r>
             <a:endParaRPr lang="zh-CN" altLang="en-US" sz="2500" dirty="0">
               <a:solidFill>
-                <a:schemeClr val="bg1"/>
+                <a:prstClr val="white"/>
               </a:solidFill>
             </a:endParaRPr>
           </a:p>
         </p:txBody>
       </p:sp>
-      <p:grpSp>
-        <p:nvGrpSpPr>
-          <p:cNvPr id="7" name="Group 6"/>
-          <p:cNvGrpSpPr/>
+      <p:sp>
+        <p:nvSpPr>
+          <p:cNvPr id="19" name="Rounded Rectangle 18"/>
+          <p:cNvSpPr/>
           <p:nvPr/>
-        </p:nvGrpSpPr>
-        <p:grpSpPr>
+        </p:nvSpPr>
+        <p:spPr>
           <a:xfrm>
-            <a:off x="3398706" y="2034122"/>
-            <a:ext cx="6950251" cy="3598140"/>
-            <a:chOff x="3398706" y="2034122"/>
-            <a:chExt cx="6950251" cy="3598140"/>
+            <a:off x="7781275" y="3782563"/>
+            <a:ext cx="1754408" cy="567893"/>
           </a:xfrm>
-        </p:grpSpPr>
-        <p:sp>
-          <p:nvSpPr>
-            <p:cNvPr id="8" name="Rounded Rectangle 7"/>
-            <p:cNvSpPr/>
-            <p:nvPr/>
-          </p:nvSpPr>
-          <p:spPr>
-            <a:xfrm>
-              <a:off x="3398706" y="2034122"/>
-              <a:ext cx="1950854" cy="572931"/>
-            </a:xfrm>
-            <a:prstGeom prst="roundRect">
-              <a:avLst>
-                <a:gd name="adj" fmla="val 10701"/>
-              </a:avLst>
-            </a:prstGeom>
+          <a:prstGeom prst="roundRect">
+            <a:avLst>
+              <a:gd name="adj" fmla="val 7852"/>
+            </a:avLst>
+          </a:prstGeom>
+          <a:solidFill>
+            <a:srgbClr val="799594"/>
+          </a:solidFill>
+          <a:ln w="19050">
             <a:solidFill>
-              <a:srgbClr val="799594"/>
+              <a:schemeClr val="bg1"/>
             </a:solidFill>
-            <a:ln w="19050">
+          </a:ln>
+        </p:spPr>
+        <p:style>
+          <a:lnRef idx="2">
+            <a:schemeClr val="accent1">
+              <a:shade val="50000"/>
+            </a:schemeClr>
+          </a:lnRef>
+          <a:fillRef idx="1">
+            <a:schemeClr val="accent1"/>
+          </a:fillRef>
+          <a:effectRef idx="0">
+            <a:schemeClr val="accent1"/>
+          </a:effectRef>
+          <a:fontRef idx="minor">
+            <a:schemeClr val="lt1"/>
+          </a:fontRef>
+        </p:style>
+        <p:txBody>
+          <a:bodyPr rtlCol="0" anchor="ctr"/>
+          <a:lstStyle/>
+          <a:p>
+            <a:r>
+              <a:rPr lang="zh-CN" altLang="en-US" sz="2500" dirty="0" smtClean="0">
+                <a:solidFill>
+                  <a:prstClr val="white"/>
+                </a:solidFill>
+              </a:rPr>
+              <a:t>世界观</a:t>
+            </a:r>
+            <a:endParaRPr lang="zh-CN" altLang="en-US" sz="2500" dirty="0">
               <a:solidFill>
-                <a:schemeClr val="bg1"/>
+                <a:prstClr val="white"/>
               </a:solidFill>
-            </a:ln>
-          </p:spPr>
-          <p:style>
-            <a:lnRef idx="2">
-              <a:schemeClr val="accent1">
-                <a:shade val="50000"/>
-              </a:schemeClr>
-            </a:lnRef>
-            <a:fillRef idx="1">
-              <a:schemeClr val="accent1"/>
-            </a:fillRef>
-            <a:effectRef idx="0">
-              <a:schemeClr val="accent1"/>
-            </a:effectRef>
-            <a:fontRef idx="minor">
-              <a:schemeClr val="lt1"/>
-            </a:fontRef>
-          </p:style>
-          <p:txBody>
-            <a:bodyPr rtlCol="0" anchor="ctr"/>
-            <a:lstStyle/>
-            <a:p>
-              <a:pPr algn="ctr"/>
-              <a:r>
-                <a:rPr lang="zh-CN" altLang="en-US" sz="3000" dirty="0" smtClean="0"/>
-                <a:t>游戏简介</a:t>
-              </a:r>
-              <a:endParaRPr lang="zh-CN" altLang="en-US" sz="3000" dirty="0"/>
-            </a:p>
-          </p:txBody>
-        </p:sp>
-        <p:cxnSp>
-          <p:nvCxnSpPr>
-            <p:cNvPr id="9" name="Straight Connector 8"/>
-            <p:cNvCxnSpPr/>
-            <p:nvPr/>
-          </p:nvCxnSpPr>
-          <p:spPr>
-            <a:xfrm flipH="1">
-              <a:off x="3398706" y="2538685"/>
-              <a:ext cx="17091" cy="3093577"/>
-            </a:xfrm>
-            <a:prstGeom prst="line">
-              <a:avLst/>
-            </a:prstGeom>
-            <a:ln w="28575">
+            </a:endParaRPr>
+          </a:p>
+        </p:txBody>
+      </p:sp>
+      <p:sp>
+        <p:nvSpPr>
+          <p:cNvPr id="20" name="Rounded Rectangle 19"/>
+          <p:cNvSpPr/>
+          <p:nvPr/>
+        </p:nvSpPr>
+        <p:spPr>
+          <a:xfrm>
+            <a:off x="3398707" y="3782563"/>
+            <a:ext cx="1754408" cy="567893"/>
+          </a:xfrm>
+          <a:prstGeom prst="roundRect">
+            <a:avLst>
+              <a:gd name="adj" fmla="val 7852"/>
+            </a:avLst>
+          </a:prstGeom>
+          <a:solidFill>
+            <a:srgbClr val="799594"/>
+          </a:solidFill>
+          <a:ln w="19050">
+            <a:solidFill>
+              <a:schemeClr val="bg1"/>
+            </a:solidFill>
+          </a:ln>
+        </p:spPr>
+        <p:style>
+          <a:lnRef idx="2">
+            <a:schemeClr val="accent1">
+              <a:shade val="50000"/>
+            </a:schemeClr>
+          </a:lnRef>
+          <a:fillRef idx="1">
+            <a:schemeClr val="accent1"/>
+          </a:fillRef>
+          <a:effectRef idx="0">
+            <a:schemeClr val="accent1"/>
+          </a:effectRef>
+          <a:fontRef idx="minor">
+            <a:schemeClr val="lt1"/>
+          </a:fontRef>
+        </p:style>
+        <p:txBody>
+          <a:bodyPr rtlCol="0" anchor="ctr"/>
+          <a:lstStyle/>
+          <a:p>
+            <a:r>
+              <a:rPr lang="zh-CN" altLang="en-US" sz="2500" dirty="0" smtClean="0">
+                <a:solidFill>
+                  <a:prstClr val="white"/>
+                </a:solidFill>
+              </a:rPr>
+              <a:t>游戏特色</a:t>
+            </a:r>
+            <a:endParaRPr lang="zh-CN" altLang="en-US" sz="2500" dirty="0">
               <a:solidFill>
-                <a:srgbClr val="799594"/>
+                <a:prstClr val="white"/>
               </a:solidFill>
-              <a:prstDash val="sysDash"/>
-            </a:ln>
-          </p:spPr>
-          <p:style>
-            <a:lnRef idx="1">
-              <a:schemeClr val="accent1"/>
-            </a:lnRef>
-            <a:fillRef idx="0">
-              <a:schemeClr val="accent1"/>
-            </a:fillRef>
-            <a:effectRef idx="0">
-              <a:schemeClr val="accent1"/>
-            </a:effectRef>
-            <a:fontRef idx="minor">
-              <a:schemeClr val="tx1"/>
-            </a:fontRef>
-          </p:style>
-        </p:cxnSp>
-        <p:cxnSp>
-          <p:nvCxnSpPr>
-            <p:cNvPr id="10" name="Straight Connector 9"/>
-            <p:cNvCxnSpPr/>
-            <p:nvPr/>
-          </p:nvCxnSpPr>
-          <p:spPr>
-            <a:xfrm flipH="1">
-              <a:off x="10331866" y="2527077"/>
-              <a:ext cx="17091" cy="3093577"/>
-            </a:xfrm>
-            <a:prstGeom prst="line">
-              <a:avLst/>
-            </a:prstGeom>
-            <a:ln w="28575">
+            </a:endParaRPr>
+          </a:p>
+        </p:txBody>
+      </p:sp>
+      <p:sp>
+        <p:nvSpPr>
+          <p:cNvPr id="21" name="Rounded Rectangle 20"/>
+          <p:cNvSpPr/>
+          <p:nvPr/>
+        </p:nvSpPr>
+        <p:spPr>
+          <a:xfrm>
+            <a:off x="7781275" y="739613"/>
+            <a:ext cx="1754408" cy="567893"/>
+          </a:xfrm>
+          <a:prstGeom prst="roundRect">
+            <a:avLst>
+              <a:gd name="adj" fmla="val 7852"/>
+            </a:avLst>
+          </a:prstGeom>
+          <a:solidFill>
+            <a:srgbClr val="799594"/>
+          </a:solidFill>
+          <a:ln w="19050">
+            <a:solidFill>
+              <a:schemeClr val="bg1"/>
+            </a:solidFill>
+          </a:ln>
+        </p:spPr>
+        <p:style>
+          <a:lnRef idx="2">
+            <a:schemeClr val="accent1">
+              <a:shade val="50000"/>
+            </a:schemeClr>
+          </a:lnRef>
+          <a:fillRef idx="1">
+            <a:schemeClr val="accent1"/>
+          </a:fillRef>
+          <a:effectRef idx="0">
+            <a:schemeClr val="accent1"/>
+          </a:effectRef>
+          <a:fontRef idx="minor">
+            <a:schemeClr val="lt1"/>
+          </a:fontRef>
+        </p:style>
+        <p:txBody>
+          <a:bodyPr rtlCol="0" anchor="ctr"/>
+          <a:lstStyle/>
+          <a:p>
+            <a:r>
+              <a:rPr lang="zh-CN" altLang="en-US" sz="2500" dirty="0" smtClean="0">
+                <a:solidFill>
+                  <a:prstClr val="white"/>
+                </a:solidFill>
+              </a:rPr>
+              <a:t>游戏系统</a:t>
+            </a:r>
+            <a:endParaRPr lang="zh-CN" altLang="en-US" sz="2500" dirty="0">
               <a:solidFill>
-                <a:srgbClr val="799594"/>
+                <a:prstClr val="white"/>
               </a:solidFill>
-              <a:prstDash val="sysDash"/>
-            </a:ln>
-          </p:spPr>
-          <p:style>
-            <a:lnRef idx="1">
-              <a:schemeClr val="accent1"/>
-            </a:lnRef>
-            <a:fillRef idx="0">
-              <a:schemeClr val="accent1"/>
-            </a:fillRef>
-            <a:effectRef idx="0">
-              <a:schemeClr val="accent1"/>
-            </a:effectRef>
-            <a:fontRef idx="minor">
-              <a:schemeClr val="tx1"/>
-            </a:fontRef>
-          </p:style>
-        </p:cxnSp>
-        <p:cxnSp>
-          <p:nvCxnSpPr>
-            <p:cNvPr id="14" name="Straight Connector 13"/>
-            <p:cNvCxnSpPr/>
-            <p:nvPr/>
-          </p:nvCxnSpPr>
-          <p:spPr>
-            <a:xfrm>
-              <a:off x="3415797" y="5632262"/>
-              <a:ext cx="6916069" cy="0"/>
-            </a:xfrm>
-            <a:prstGeom prst="line">
-              <a:avLst/>
-            </a:prstGeom>
-            <a:ln w="28575">
-              <a:solidFill>
-                <a:srgbClr val="799594"/>
-              </a:solidFill>
-              <a:prstDash val="sysDash"/>
-            </a:ln>
-          </p:spPr>
-          <p:style>
-            <a:lnRef idx="1">
-              <a:schemeClr val="accent1"/>
-            </a:lnRef>
-            <a:fillRef idx="0">
-              <a:schemeClr val="accent1"/>
-            </a:fillRef>
-            <a:effectRef idx="0">
-              <a:schemeClr val="accent1"/>
-            </a:effectRef>
-            <a:fontRef idx="minor">
-              <a:schemeClr val="tx1"/>
-            </a:fontRef>
-          </p:style>
-        </p:cxnSp>
-        <p:cxnSp>
-          <p:nvCxnSpPr>
-            <p:cNvPr id="15" name="Straight Connector 14"/>
-            <p:cNvCxnSpPr/>
-            <p:nvPr/>
-          </p:nvCxnSpPr>
-          <p:spPr>
-            <a:xfrm>
-              <a:off x="5349560" y="2528279"/>
-              <a:ext cx="4982306" cy="10406"/>
-            </a:xfrm>
-            <a:prstGeom prst="line">
-              <a:avLst/>
-            </a:prstGeom>
-            <a:ln w="28575">
-              <a:solidFill>
-                <a:srgbClr val="799594"/>
-              </a:solidFill>
-              <a:prstDash val="sysDash"/>
-            </a:ln>
-          </p:spPr>
-          <p:style>
-            <a:lnRef idx="1">
-              <a:schemeClr val="accent1"/>
-            </a:lnRef>
-            <a:fillRef idx="0">
-              <a:schemeClr val="accent1"/>
-            </a:fillRef>
-            <a:effectRef idx="0">
-              <a:schemeClr val="accent1"/>
-            </a:effectRef>
-            <a:fontRef idx="minor">
-              <a:schemeClr val="tx1"/>
-            </a:fontRef>
-          </p:style>
-        </p:cxnSp>
-      </p:grpSp>
-      <p:sp>
-        <p:nvSpPr>
-          <p:cNvPr id="16" name="TextBox 15"/>
+            </a:endParaRPr>
+          </a:p>
+        </p:txBody>
+      </p:sp>
+      <p:sp>
+        <p:nvSpPr>
+          <p:cNvPr id="3" name="TextBox 2"/>
           <p:cNvSpPr txBox="1"/>
           <p:nvPr/>
         </p:nvSpPr>
         <p:spPr>
           <a:xfrm>
-            <a:off x="3585205" y="2873536"/>
-            <a:ext cx="6577251" cy="2400657"/>
+            <a:off x="7781275" y="1504060"/>
+            <a:ext cx="2260033" cy="646331"/>
           </a:xfrm>
           <a:prstGeom prst="rect">
             <a:avLst/>
@@ -5722,130 +5673,135 @@
           </a:bodyPr>
           <a:lstStyle/>
           <a:p>
-            <a:pPr marL="342900" indent="-342900">
-              <a:buFont typeface="Wingdings" panose="05000000000000000000" pitchFamily="2" charset="2"/>
-              <a:buChar char="Ø"/>
-            </a:pPr>
-            <a:r>
-              <a:rPr lang="en-US" altLang="zh-CN" sz="2500" dirty="0" smtClean="0">
-                <a:solidFill>
-                  <a:srgbClr val="799594"/>
-                </a:solidFill>
-              </a:rPr>
-              <a:t>2D</a:t>
-            </a:r>
-            <a:r>
-              <a:rPr lang="zh-CN" altLang="en-US" sz="2500" dirty="0" smtClean="0">
-                <a:solidFill>
-                  <a:srgbClr val="799594"/>
-                </a:solidFill>
-              </a:rPr>
-              <a:t>，像素风</a:t>
-            </a:r>
-            <a:endParaRPr lang="en-US" altLang="zh-CN" sz="2500" dirty="0" smtClean="0">
-              <a:solidFill>
-                <a:srgbClr val="799594"/>
-              </a:solidFill>
-            </a:endParaRPr>
-          </a:p>
-          <a:p>
-            <a:pPr marL="342900" indent="-342900">
-              <a:buFont typeface="Wingdings" panose="05000000000000000000" pitchFamily="2" charset="2"/>
-              <a:buChar char="Ø"/>
-            </a:pPr>
-            <a:r>
-              <a:rPr lang="zh-CN" altLang="en-US" sz="2500" dirty="0" smtClean="0">
-                <a:solidFill>
-                  <a:srgbClr val="799594"/>
-                </a:solidFill>
-              </a:rPr>
-              <a:t>关卡向</a:t>
-            </a:r>
-            <a:endParaRPr lang="en-US" altLang="zh-CN" sz="2500" dirty="0" smtClean="0">
-              <a:solidFill>
-                <a:srgbClr val="799594"/>
-              </a:solidFill>
-            </a:endParaRPr>
-          </a:p>
-          <a:p>
-            <a:pPr marL="342900" indent="-342900">
-              <a:buFont typeface="Wingdings" panose="05000000000000000000" pitchFamily="2" charset="2"/>
-              <a:buChar char="Ø"/>
-            </a:pPr>
-            <a:r>
-              <a:rPr lang="zh-CN" altLang="en-US" sz="2500" dirty="0" smtClean="0">
-                <a:solidFill>
-                  <a:srgbClr val="799594"/>
-                </a:solidFill>
-              </a:rPr>
-              <a:t>简单剧情</a:t>
-            </a:r>
-            <a:endParaRPr lang="en-US" altLang="zh-CN" sz="2500" dirty="0" smtClean="0">
-              <a:solidFill>
-                <a:srgbClr val="799594"/>
-              </a:solidFill>
-            </a:endParaRPr>
-          </a:p>
-          <a:p>
-            <a:pPr marL="342900" indent="-342900">
-              <a:buFont typeface="Wingdings" panose="05000000000000000000" pitchFamily="2" charset="2"/>
-              <a:buChar char="Ø"/>
-            </a:pPr>
-            <a:r>
-              <a:rPr lang="zh-CN" altLang="en-US" sz="2500" dirty="0" smtClean="0">
-                <a:solidFill>
-                  <a:srgbClr val="799594"/>
-                </a:solidFill>
-              </a:rPr>
-              <a:t>穿越时间到各个时代，找到自己的祖先，让自己变得富有</a:t>
-            </a:r>
-            <a:endParaRPr lang="en-US" altLang="zh-CN" sz="2500" dirty="0" smtClean="0">
-              <a:solidFill>
-                <a:srgbClr val="799594"/>
-              </a:solidFill>
-            </a:endParaRPr>
-          </a:p>
-          <a:p>
-            <a:pPr marL="342900" indent="-342900">
-              <a:buFont typeface="Wingdings" panose="05000000000000000000" pitchFamily="2" charset="2"/>
-              <a:buChar char="Ø"/>
-            </a:pPr>
-            <a:r>
-              <a:rPr lang="en-US" altLang="zh-CN" sz="2500" dirty="0" smtClean="0">
-                <a:solidFill>
-                  <a:srgbClr val="799594"/>
-                </a:solidFill>
-              </a:rPr>
-              <a:t>《</a:t>
-            </a:r>
-            <a:r>
-              <a:rPr lang="zh-CN" altLang="en-US" sz="2500" dirty="0" smtClean="0">
-                <a:solidFill>
-                  <a:srgbClr val="799594"/>
-                </a:solidFill>
-              </a:rPr>
-              <a:t>祖宗十八代</a:t>
-            </a:r>
-            <a:r>
-              <a:rPr lang="en-US" altLang="zh-CN" sz="2500" dirty="0" smtClean="0">
-                <a:solidFill>
-                  <a:srgbClr val="799594"/>
-                </a:solidFill>
-              </a:rPr>
-              <a:t>》</a:t>
-            </a:r>
-            <a:endParaRPr lang="zh-CN" altLang="en-US" sz="2500" dirty="0">
-              <a:solidFill>
-                <a:srgbClr val="799594"/>
-              </a:solidFill>
-            </a:endParaRPr>
+            <a:r>
+              <a:rPr lang="zh-CN" altLang="en-US" dirty="0" smtClean="0"/>
+              <a:t>时间</a:t>
+            </a:r>
+            <a:r>
+              <a:rPr lang="zh-CN" altLang="en-US" dirty="0"/>
+              <a:t>系</a:t>
+            </a:r>
+            <a:r>
+              <a:rPr lang="zh-CN" altLang="en-US" dirty="0" smtClean="0"/>
+              <a:t>统</a:t>
+            </a:r>
+            <a:endParaRPr lang="en-US" altLang="zh-CN" dirty="0" smtClean="0"/>
+          </a:p>
+          <a:p>
+            <a:r>
+              <a:rPr lang="zh-CN" altLang="en-US" dirty="0"/>
+              <a:t>道</a:t>
+            </a:r>
+            <a:r>
+              <a:rPr lang="zh-CN" altLang="en-US" dirty="0" smtClean="0"/>
+              <a:t>具系统</a:t>
+            </a:r>
+            <a:endParaRPr lang="zh-CN" altLang="en-US" dirty="0"/>
+          </a:p>
+        </p:txBody>
+      </p:sp>
+      <p:sp>
+        <p:nvSpPr>
+          <p:cNvPr id="22" name="TextBox 21"/>
+          <p:cNvSpPr txBox="1"/>
+          <p:nvPr/>
+        </p:nvSpPr>
+        <p:spPr>
+          <a:xfrm>
+            <a:off x="7711484" y="4614913"/>
+            <a:ext cx="3885159" cy="1477328"/>
+          </a:xfrm>
+          <a:prstGeom prst="rect">
+            <a:avLst/>
+          </a:prstGeom>
+          <a:noFill/>
+        </p:spPr>
+        <p:txBody>
+          <a:bodyPr wrap="square" rtlCol="0">
+            <a:spAutoFit/>
+          </a:bodyPr>
+          <a:lstStyle/>
+          <a:p>
+            <a:r>
+              <a:rPr lang="zh-CN" altLang="en-US" dirty="0"/>
+              <a:t>玩</a:t>
+            </a:r>
+            <a:r>
+              <a:rPr lang="zh-CN" altLang="en-US" dirty="0" smtClean="0"/>
+              <a:t>家在一个充满神秘色彩的村庄内，调查各种神秘事件，村庄内的人也都身怀绝技，随着玩家不断的调查，最后发现所有的一切都是自己所为，而村子里的人都是为了帮助自己</a:t>
+            </a:r>
+            <a:endParaRPr lang="zh-CN" altLang="en-US" dirty="0"/>
+          </a:p>
+        </p:txBody>
+      </p:sp>
+      <p:sp>
+        <p:nvSpPr>
+          <p:cNvPr id="23" name="TextBox 22"/>
+          <p:cNvSpPr txBox="1"/>
+          <p:nvPr/>
+        </p:nvSpPr>
+        <p:spPr>
+          <a:xfrm>
+            <a:off x="3398707" y="1504060"/>
+            <a:ext cx="2260033" cy="369332"/>
+          </a:xfrm>
+          <a:prstGeom prst="rect">
+            <a:avLst/>
+          </a:prstGeom>
+          <a:noFill/>
+        </p:spPr>
+        <p:txBody>
+          <a:bodyPr wrap="square" rtlCol="0">
+            <a:spAutoFit/>
+          </a:bodyPr>
+          <a:lstStyle/>
+          <a:p>
+            <a:r>
+              <a:rPr lang="en-US" altLang="zh-CN" dirty="0" smtClean="0"/>
+              <a:t>RPG</a:t>
+            </a:r>
+            <a:endParaRPr lang="zh-CN" altLang="en-US" dirty="0"/>
+          </a:p>
+        </p:txBody>
+      </p:sp>
+      <p:sp>
+        <p:nvSpPr>
+          <p:cNvPr id="24" name="TextBox 23"/>
+          <p:cNvSpPr txBox="1"/>
+          <p:nvPr/>
+        </p:nvSpPr>
+        <p:spPr>
+          <a:xfrm>
+            <a:off x="3398706" y="4430247"/>
+            <a:ext cx="2260033" cy="369332"/>
+          </a:xfrm>
+          <a:prstGeom prst="rect">
+            <a:avLst/>
+          </a:prstGeom>
+          <a:noFill/>
+        </p:spPr>
+        <p:txBody>
+          <a:bodyPr wrap="square" rtlCol="0">
+            <a:spAutoFit/>
+          </a:bodyPr>
+          <a:lstStyle/>
+          <a:p>
+            <a:r>
+              <a:rPr lang="zh-CN" altLang="en-US" dirty="0" smtClean="0"/>
+              <a:t>未想好</a:t>
+            </a:r>
+            <a:r>
+              <a:rPr lang="en-US" altLang="zh-CN" dirty="0" smtClean="0"/>
+              <a:t>……</a:t>
+            </a:r>
+            <a:endParaRPr lang="zh-CN" altLang="en-US" dirty="0"/>
           </a:p>
         </p:txBody>
       </p:sp>
     </p:spTree>
     <p:extLst>
       <p:ext uri="{BB962C8B-B14F-4D97-AF65-F5344CB8AC3E}">
-        <p14:creationId xmlns:p14="http://schemas.microsoft.com/office/powerpoint/2010/main" val="1223904761"/>
+        <p14:creationId xmlns:p14="http://schemas.microsoft.com/office/powerpoint/2010/main" val="2514029936"/>
       </p:ext>
     </p:extLst>
   </p:cSld>
@@ -6068,7 +6024,7 @@
                   <a:schemeClr val="bg1"/>
                 </a:solidFill>
               </a:rPr>
-              <a:t>小队潜入暗杀</a:t>
+              <a:t>剧情向，探索</a:t>
             </a:r>
             <a:endParaRPr lang="zh-CN" altLang="en-US" sz="2500" dirty="0">
               <a:solidFill>
@@ -6299,7 +6255,7 @@
         </p:nvSpPr>
         <p:spPr>
           <a:xfrm>
-            <a:off x="3585206" y="2873536"/>
+            <a:off x="3585205" y="2873536"/>
             <a:ext cx="6577251" cy="2400657"/>
           </a:xfrm>
           <a:prstGeom prst="rect">
@@ -6323,7 +6279,7 @@
                   <a:srgbClr val="799594"/>
                 </a:solidFill>
               </a:rPr>
-              <a:t>3D</a:t>
+              <a:t>2D</a:t>
             </a:r>
             <a:r>
               <a:rPr lang="zh-CN" altLang="en-US" sz="2500" dirty="0" smtClean="0">
@@ -6331,7 +6287,26 @@
                   <a:srgbClr val="799594"/>
                 </a:solidFill>
               </a:rPr>
-              <a:t>、上帝视角、第三人称射击</a:t>
+              <a:t>，像素风</a:t>
+            </a:r>
+            <a:endParaRPr lang="en-US" altLang="zh-CN" sz="2500" dirty="0" smtClean="0">
+              <a:solidFill>
+                <a:srgbClr val="799594"/>
+              </a:solidFill>
+            </a:endParaRPr>
+          </a:p>
+          <a:p>
+            <a:pPr marL="342900" indent="-342900">
+              <a:buFont typeface="Wingdings" panose="05000000000000000000" pitchFamily="2" charset="2"/>
+              <a:buChar char="Ø"/>
+            </a:pPr>
+            <a:r>
+              <a:rPr lang="zh-CN" altLang="en-US" sz="2500" dirty="0" smtClean="0">
+                <a:solidFill>
+                  <a:srgbClr val="799594"/>
+                </a:solidFill>
+              </a:rPr>
+              <a:t>关卡向</a:t>
             </a:r>
             <a:endParaRPr lang="en-US" altLang="zh-CN" sz="2500" dirty="0" smtClean="0">
               <a:solidFill>
@@ -6364,20 +6339,12 @@
               <a:buChar char="Ø"/>
             </a:pPr>
             <a:r>
-              <a:rPr lang="zh-CN" altLang="en-US" sz="2500" dirty="0">
-                <a:solidFill>
-                  <a:srgbClr val="799594"/>
-                </a:solidFill>
-              </a:rPr>
-              <a:t>关</a:t>
-            </a:r>
-            <a:r>
               <a:rPr lang="zh-CN" altLang="en-US" sz="2500" dirty="0" smtClean="0">
                 <a:solidFill>
                   <a:srgbClr val="799594"/>
                 </a:solidFill>
               </a:rPr>
-              <a:t>卡向</a:t>
+              <a:t>穿越时间到各个时代，找到自己的祖先，让自己变得富有</a:t>
             </a:r>
             <a:endParaRPr lang="en-US" altLang="zh-CN" sz="2500" dirty="0" smtClean="0">
               <a:solidFill>
@@ -6391,31 +6358,20 @@
               <a:buChar char="Ø"/>
             </a:pPr>
             <a:r>
+              <a:rPr lang="en-US" altLang="zh-CN" sz="2500" dirty="0" smtClean="0">
+                <a:solidFill>
+                  <a:srgbClr val="799594"/>
+                </a:solidFill>
+              </a:rPr>
+              <a:t>《</a:t>
+            </a:r>
+            <a:r>
               <a:rPr lang="zh-CN" altLang="en-US" sz="2500" dirty="0" smtClean="0">
                 <a:solidFill>
                   <a:srgbClr val="799594"/>
                 </a:solidFill>
               </a:rPr>
-              <a:t>营救、潜入、小队作战、不同技能、摧毁基地</a:t>
-            </a:r>
-            <a:endParaRPr lang="en-US" altLang="zh-CN" sz="2500" dirty="0">
-              <a:solidFill>
-                <a:srgbClr val="799594"/>
-              </a:solidFill>
-            </a:endParaRPr>
-          </a:p>
-          <a:p>
-            <a:pPr marL="342900" indent="-342900">
-              <a:buFont typeface="Wingdings" panose="05000000000000000000" pitchFamily="2" charset="2"/>
-              <a:buChar char="Ø"/>
-            </a:pPr>
-            <a:r>
-              <a:rPr lang="zh-CN" altLang="en-US" sz="2500" dirty="0" smtClean="0">
-                <a:solidFill>
-                  <a:srgbClr val="799594"/>
-                </a:solidFill>
-              </a:rPr>
-              <a:t>致敬红警</a:t>
+              <a:t>祖宗十八代</a:t>
             </a:r>
             <a:r>
               <a:rPr lang="en-US" altLang="zh-CN" sz="2500" dirty="0" smtClean="0">
@@ -6423,23 +6379,20 @@
                   <a:srgbClr val="799594"/>
                 </a:solidFill>
               </a:rPr>
-              <a:t>2</a:t>
-            </a:r>
-            <a:r>
-              <a:rPr lang="zh-CN" altLang="en-US" sz="2500" dirty="0" smtClean="0">
-                <a:solidFill>
-                  <a:srgbClr val="799594"/>
-                </a:solidFill>
-              </a:rPr>
-              <a:t>战役模式</a:t>
-            </a:r>
+              <a:t>》</a:t>
+            </a:r>
+            <a:endParaRPr lang="zh-CN" altLang="en-US" sz="2500" dirty="0">
+              <a:solidFill>
+                <a:srgbClr val="799594"/>
+              </a:solidFill>
+            </a:endParaRPr>
           </a:p>
         </p:txBody>
       </p:sp>
     </p:spTree>
     <p:extLst>
       <p:ext uri="{BB962C8B-B14F-4D97-AF65-F5344CB8AC3E}">
-        <p14:creationId xmlns:p14="http://schemas.microsoft.com/office/powerpoint/2010/main" val="3071731208"/>
+        <p14:creationId xmlns:p14="http://schemas.microsoft.com/office/powerpoint/2010/main" val="1223904761"/>
       </p:ext>
     </p:extLst>
   </p:cSld>
@@ -6662,7 +6615,7 @@
                   <a:schemeClr val="bg1"/>
                 </a:solidFill>
               </a:rPr>
-              <a:t>密室解谜</a:t>
+              <a:t>小队潜入暗杀</a:t>
             </a:r>
             <a:endParaRPr lang="zh-CN" altLang="en-US" sz="2500" dirty="0">
               <a:solidFill>
@@ -6893,6 +6846,600 @@
         </p:nvSpPr>
         <p:spPr>
           <a:xfrm>
+            <a:off x="3585206" y="2873536"/>
+            <a:ext cx="6577251" cy="2400657"/>
+          </a:xfrm>
+          <a:prstGeom prst="rect">
+            <a:avLst/>
+          </a:prstGeom>
+          <a:noFill/>
+        </p:spPr>
+        <p:txBody>
+          <a:bodyPr wrap="square" rtlCol="0">
+            <a:spAutoFit/>
+          </a:bodyPr>
+          <a:lstStyle/>
+          <a:p>
+            <a:pPr marL="342900" indent="-342900">
+              <a:buFont typeface="Wingdings" panose="05000000000000000000" pitchFamily="2" charset="2"/>
+              <a:buChar char="Ø"/>
+            </a:pPr>
+            <a:r>
+              <a:rPr lang="en-US" altLang="zh-CN" sz="2500" dirty="0" smtClean="0">
+                <a:solidFill>
+                  <a:srgbClr val="799594"/>
+                </a:solidFill>
+              </a:rPr>
+              <a:t>3D</a:t>
+            </a:r>
+            <a:r>
+              <a:rPr lang="zh-CN" altLang="en-US" sz="2500" dirty="0" smtClean="0">
+                <a:solidFill>
+                  <a:srgbClr val="799594"/>
+                </a:solidFill>
+              </a:rPr>
+              <a:t>、上帝视角、第三人称射击</a:t>
+            </a:r>
+            <a:endParaRPr lang="en-US" altLang="zh-CN" sz="2500" dirty="0" smtClean="0">
+              <a:solidFill>
+                <a:srgbClr val="799594"/>
+              </a:solidFill>
+            </a:endParaRPr>
+          </a:p>
+          <a:p>
+            <a:pPr marL="342900" indent="-342900">
+              <a:buFont typeface="Wingdings" panose="05000000000000000000" pitchFamily="2" charset="2"/>
+              <a:buChar char="Ø"/>
+            </a:pPr>
+            <a:r>
+              <a:rPr lang="zh-CN" altLang="en-US" sz="2500" dirty="0" smtClean="0">
+                <a:solidFill>
+                  <a:srgbClr val="799594"/>
+                </a:solidFill>
+              </a:rPr>
+              <a:t>简单剧情</a:t>
+            </a:r>
+            <a:endParaRPr lang="en-US" altLang="zh-CN" sz="2500" dirty="0" smtClean="0">
+              <a:solidFill>
+                <a:srgbClr val="799594"/>
+              </a:solidFill>
+            </a:endParaRPr>
+          </a:p>
+          <a:p>
+            <a:pPr marL="342900" indent="-342900">
+              <a:buFont typeface="Wingdings" panose="05000000000000000000" pitchFamily="2" charset="2"/>
+              <a:buChar char="Ø"/>
+            </a:pPr>
+            <a:r>
+              <a:rPr lang="zh-CN" altLang="en-US" sz="2500" dirty="0">
+                <a:solidFill>
+                  <a:srgbClr val="799594"/>
+                </a:solidFill>
+              </a:rPr>
+              <a:t>关</a:t>
+            </a:r>
+            <a:r>
+              <a:rPr lang="zh-CN" altLang="en-US" sz="2500" dirty="0" smtClean="0">
+                <a:solidFill>
+                  <a:srgbClr val="799594"/>
+                </a:solidFill>
+              </a:rPr>
+              <a:t>卡向</a:t>
+            </a:r>
+            <a:endParaRPr lang="en-US" altLang="zh-CN" sz="2500" dirty="0" smtClean="0">
+              <a:solidFill>
+                <a:srgbClr val="799594"/>
+              </a:solidFill>
+            </a:endParaRPr>
+          </a:p>
+          <a:p>
+            <a:pPr marL="342900" indent="-342900">
+              <a:buFont typeface="Wingdings" panose="05000000000000000000" pitchFamily="2" charset="2"/>
+              <a:buChar char="Ø"/>
+            </a:pPr>
+            <a:r>
+              <a:rPr lang="zh-CN" altLang="en-US" sz="2500" dirty="0" smtClean="0">
+                <a:solidFill>
+                  <a:srgbClr val="799594"/>
+                </a:solidFill>
+              </a:rPr>
+              <a:t>营救、潜入、小队作战、不同技能、摧毁基地</a:t>
+            </a:r>
+            <a:endParaRPr lang="en-US" altLang="zh-CN" sz="2500" dirty="0">
+              <a:solidFill>
+                <a:srgbClr val="799594"/>
+              </a:solidFill>
+            </a:endParaRPr>
+          </a:p>
+          <a:p>
+            <a:pPr marL="342900" indent="-342900">
+              <a:buFont typeface="Wingdings" panose="05000000000000000000" pitchFamily="2" charset="2"/>
+              <a:buChar char="Ø"/>
+            </a:pPr>
+            <a:r>
+              <a:rPr lang="zh-CN" altLang="en-US" sz="2500" dirty="0" smtClean="0">
+                <a:solidFill>
+                  <a:srgbClr val="799594"/>
+                </a:solidFill>
+              </a:rPr>
+              <a:t>致敬红警</a:t>
+            </a:r>
+            <a:r>
+              <a:rPr lang="en-US" altLang="zh-CN" sz="2500" dirty="0" smtClean="0">
+                <a:solidFill>
+                  <a:srgbClr val="799594"/>
+                </a:solidFill>
+              </a:rPr>
+              <a:t>2</a:t>
+            </a:r>
+            <a:r>
+              <a:rPr lang="zh-CN" altLang="en-US" sz="2500" dirty="0" smtClean="0">
+                <a:solidFill>
+                  <a:srgbClr val="799594"/>
+                </a:solidFill>
+              </a:rPr>
+              <a:t>战役模式</a:t>
+            </a:r>
+          </a:p>
+        </p:txBody>
+      </p:sp>
+    </p:spTree>
+    <p:extLst>
+      <p:ext uri="{BB962C8B-B14F-4D97-AF65-F5344CB8AC3E}">
+        <p14:creationId xmlns:p14="http://schemas.microsoft.com/office/powerpoint/2010/main" val="3071731208"/>
+      </p:ext>
+    </p:extLst>
+  </p:cSld>
+  <p:clrMapOvr>
+    <a:masterClrMapping/>
+  </p:clrMapOvr>
+  <p:timing>
+    <p:tnLst>
+      <p:par>
+        <p:cTn id="1" dur="indefinite" restart="never" nodeType="tmRoot"/>
+      </p:par>
+    </p:tnLst>
+  </p:timing>
+</p:sld>
+</file>
+
+<file path=ppt/slides/slide8.xml><?xml version="1.0" encoding="utf-8"?>
+<p:sld xmlns:a="http://schemas.openxmlformats.org/drawingml/2006/main" xmlns:r="http://schemas.openxmlformats.org/officeDocument/2006/relationships" xmlns:p="http://schemas.openxmlformats.org/presentationml/2006/main">
+  <p:cSld>
+    <p:bg>
+      <p:bgPr>
+        <a:solidFill>
+          <a:srgbClr val="E2ECEB"/>
+        </a:solidFill>
+        <a:effectLst/>
+      </p:bgPr>
+    </p:bg>
+    <p:spTree>
+      <p:nvGrpSpPr>
+        <p:cNvPr id="1" name=""/>
+        <p:cNvGrpSpPr/>
+        <p:nvPr/>
+      </p:nvGrpSpPr>
+      <p:grpSpPr>
+        <a:xfrm>
+          <a:off x="0" y="0"/>
+          <a:ext cx="0" cy="0"/>
+          <a:chOff x="0" y="0"/>
+          <a:chExt cx="0" cy="0"/>
+        </a:xfrm>
+      </p:grpSpPr>
+      <p:grpSp>
+        <p:nvGrpSpPr>
+          <p:cNvPr id="13" name="Group 12"/>
+          <p:cNvGrpSpPr/>
+          <p:nvPr/>
+        </p:nvGrpSpPr>
+        <p:grpSpPr>
+          <a:xfrm>
+            <a:off x="587141" y="606389"/>
+            <a:ext cx="1799924" cy="1932296"/>
+            <a:chOff x="596766" y="635265"/>
+            <a:chExt cx="1799924" cy="1932296"/>
+          </a:xfrm>
+        </p:grpSpPr>
+        <p:sp>
+          <p:nvSpPr>
+            <p:cNvPr id="11" name="Rectangle 10"/>
+            <p:cNvSpPr/>
+            <p:nvPr/>
+          </p:nvSpPr>
+          <p:spPr>
+            <a:xfrm>
+              <a:off x="596766" y="635265"/>
+              <a:ext cx="1799924" cy="966148"/>
+            </a:xfrm>
+            <a:prstGeom prst="rect">
+              <a:avLst/>
+            </a:prstGeom>
+            <a:solidFill>
+              <a:srgbClr val="799594"/>
+            </a:solidFill>
+            <a:ln>
+              <a:noFill/>
+            </a:ln>
+          </p:spPr>
+          <p:style>
+            <a:lnRef idx="2">
+              <a:schemeClr val="accent1">
+                <a:shade val="50000"/>
+              </a:schemeClr>
+            </a:lnRef>
+            <a:fillRef idx="1">
+              <a:schemeClr val="accent1"/>
+            </a:fillRef>
+            <a:effectRef idx="0">
+              <a:schemeClr val="accent1"/>
+            </a:effectRef>
+            <a:fontRef idx="minor">
+              <a:schemeClr val="lt1"/>
+            </a:fontRef>
+          </p:style>
+          <p:txBody>
+            <a:bodyPr rtlCol="0" anchor="ctr"/>
+            <a:lstStyle/>
+            <a:p>
+              <a:pPr algn="ctr"/>
+              <a:r>
+                <a:rPr lang="zh-CN" altLang="en-US" sz="5000" b="1" dirty="0">
+                  <a:solidFill>
+                    <a:prstClr val="white"/>
+                  </a:solidFill>
+                </a:rPr>
+                <a:t>解谜</a:t>
+              </a:r>
+            </a:p>
+          </p:txBody>
+        </p:sp>
+        <p:sp>
+          <p:nvSpPr>
+            <p:cNvPr id="12" name="Rectangle 11"/>
+            <p:cNvSpPr/>
+            <p:nvPr/>
+          </p:nvSpPr>
+          <p:spPr>
+            <a:xfrm>
+              <a:off x="596766" y="1601413"/>
+              <a:ext cx="1799924" cy="966148"/>
+            </a:xfrm>
+            <a:prstGeom prst="rect">
+              <a:avLst/>
+            </a:prstGeom>
+            <a:solidFill>
+              <a:srgbClr val="E2ECEB">
+                <a:alpha val="89804"/>
+              </a:srgbClr>
+            </a:solidFill>
+            <a:ln>
+              <a:solidFill>
+                <a:srgbClr val="799594"/>
+              </a:solidFill>
+            </a:ln>
+          </p:spPr>
+          <p:style>
+            <a:lnRef idx="2">
+              <a:schemeClr val="accent1">
+                <a:shade val="50000"/>
+              </a:schemeClr>
+            </a:lnRef>
+            <a:fillRef idx="1">
+              <a:schemeClr val="accent1"/>
+            </a:fillRef>
+            <a:effectRef idx="0">
+              <a:schemeClr val="accent1"/>
+            </a:effectRef>
+            <a:fontRef idx="minor">
+              <a:schemeClr val="lt1"/>
+            </a:fontRef>
+          </p:style>
+          <p:txBody>
+            <a:bodyPr rtlCol="0" anchor="ctr"/>
+            <a:lstStyle/>
+            <a:p>
+              <a:pPr algn="ctr"/>
+              <a:r>
+                <a:rPr lang="zh-CN" altLang="en-US" sz="5000" b="1" dirty="0" smtClean="0">
+                  <a:solidFill>
+                    <a:srgbClr val="799594"/>
+                  </a:solidFill>
+                </a:rPr>
+                <a:t>游戏</a:t>
+              </a:r>
+              <a:endParaRPr lang="zh-CN" altLang="en-US" sz="5000" b="1" dirty="0">
+                <a:solidFill>
+                  <a:srgbClr val="799594"/>
+                </a:solidFill>
+              </a:endParaRPr>
+            </a:p>
+          </p:txBody>
+        </p:sp>
+      </p:grpSp>
+      <p:sp>
+        <p:nvSpPr>
+          <p:cNvPr id="6" name="Rounded Rectangle 5"/>
+          <p:cNvSpPr/>
+          <p:nvPr/>
+        </p:nvSpPr>
+        <p:spPr>
+          <a:xfrm>
+            <a:off x="3398706" y="739614"/>
+            <a:ext cx="6950251" cy="699698"/>
+          </a:xfrm>
+          <a:prstGeom prst="roundRect">
+            <a:avLst>
+              <a:gd name="adj" fmla="val 7852"/>
+            </a:avLst>
+          </a:prstGeom>
+          <a:solidFill>
+            <a:srgbClr val="799594"/>
+          </a:solidFill>
+          <a:ln w="19050">
+            <a:solidFill>
+              <a:schemeClr val="bg1"/>
+            </a:solidFill>
+          </a:ln>
+        </p:spPr>
+        <p:style>
+          <a:lnRef idx="2">
+            <a:schemeClr val="accent1">
+              <a:shade val="50000"/>
+            </a:schemeClr>
+          </a:lnRef>
+          <a:fillRef idx="1">
+            <a:schemeClr val="accent1"/>
+          </a:fillRef>
+          <a:effectRef idx="0">
+            <a:schemeClr val="accent1"/>
+          </a:effectRef>
+          <a:fontRef idx="minor">
+            <a:schemeClr val="lt1"/>
+          </a:fontRef>
+        </p:style>
+        <p:txBody>
+          <a:bodyPr rtlCol="0" anchor="ctr"/>
+          <a:lstStyle/>
+          <a:p>
+            <a:r>
+              <a:rPr lang="zh-CN" altLang="en-US" sz="2500" dirty="0" smtClean="0">
+                <a:solidFill>
+                  <a:schemeClr val="bg1"/>
+                </a:solidFill>
+              </a:rPr>
+              <a:t>密室解谜</a:t>
+            </a:r>
+            <a:endParaRPr lang="zh-CN" altLang="en-US" sz="2500" dirty="0">
+              <a:solidFill>
+                <a:schemeClr val="bg1"/>
+              </a:solidFill>
+            </a:endParaRPr>
+          </a:p>
+        </p:txBody>
+      </p:sp>
+      <p:grpSp>
+        <p:nvGrpSpPr>
+          <p:cNvPr id="7" name="Group 6"/>
+          <p:cNvGrpSpPr/>
+          <p:nvPr/>
+        </p:nvGrpSpPr>
+        <p:grpSpPr>
+          <a:xfrm>
+            <a:off x="3398706" y="2034122"/>
+            <a:ext cx="6950251" cy="3598140"/>
+            <a:chOff x="3398706" y="2034122"/>
+            <a:chExt cx="6950251" cy="3598140"/>
+          </a:xfrm>
+        </p:grpSpPr>
+        <p:sp>
+          <p:nvSpPr>
+            <p:cNvPr id="8" name="Rounded Rectangle 7"/>
+            <p:cNvSpPr/>
+            <p:nvPr/>
+          </p:nvSpPr>
+          <p:spPr>
+            <a:xfrm>
+              <a:off x="3398706" y="2034122"/>
+              <a:ext cx="1950854" cy="572931"/>
+            </a:xfrm>
+            <a:prstGeom prst="roundRect">
+              <a:avLst>
+                <a:gd name="adj" fmla="val 10701"/>
+              </a:avLst>
+            </a:prstGeom>
+            <a:solidFill>
+              <a:srgbClr val="799594"/>
+            </a:solidFill>
+            <a:ln w="19050">
+              <a:solidFill>
+                <a:schemeClr val="bg1"/>
+              </a:solidFill>
+            </a:ln>
+          </p:spPr>
+          <p:style>
+            <a:lnRef idx="2">
+              <a:schemeClr val="accent1">
+                <a:shade val="50000"/>
+              </a:schemeClr>
+            </a:lnRef>
+            <a:fillRef idx="1">
+              <a:schemeClr val="accent1"/>
+            </a:fillRef>
+            <a:effectRef idx="0">
+              <a:schemeClr val="accent1"/>
+            </a:effectRef>
+            <a:fontRef idx="minor">
+              <a:schemeClr val="lt1"/>
+            </a:fontRef>
+          </p:style>
+          <p:txBody>
+            <a:bodyPr rtlCol="0" anchor="ctr"/>
+            <a:lstStyle/>
+            <a:p>
+              <a:pPr algn="ctr"/>
+              <a:r>
+                <a:rPr lang="zh-CN" altLang="en-US" sz="3000" dirty="0" smtClean="0"/>
+                <a:t>游戏简介</a:t>
+              </a:r>
+              <a:endParaRPr lang="zh-CN" altLang="en-US" sz="3000" dirty="0"/>
+            </a:p>
+          </p:txBody>
+        </p:sp>
+        <p:cxnSp>
+          <p:nvCxnSpPr>
+            <p:cNvPr id="9" name="Straight Connector 8"/>
+            <p:cNvCxnSpPr/>
+            <p:nvPr/>
+          </p:nvCxnSpPr>
+          <p:spPr>
+            <a:xfrm flipH="1">
+              <a:off x="3398706" y="2538685"/>
+              <a:ext cx="17091" cy="3093577"/>
+            </a:xfrm>
+            <a:prstGeom prst="line">
+              <a:avLst/>
+            </a:prstGeom>
+            <a:ln w="28575">
+              <a:solidFill>
+                <a:srgbClr val="799594"/>
+              </a:solidFill>
+              <a:prstDash val="sysDash"/>
+            </a:ln>
+          </p:spPr>
+          <p:style>
+            <a:lnRef idx="1">
+              <a:schemeClr val="accent1"/>
+            </a:lnRef>
+            <a:fillRef idx="0">
+              <a:schemeClr val="accent1"/>
+            </a:fillRef>
+            <a:effectRef idx="0">
+              <a:schemeClr val="accent1"/>
+            </a:effectRef>
+            <a:fontRef idx="minor">
+              <a:schemeClr val="tx1"/>
+            </a:fontRef>
+          </p:style>
+        </p:cxnSp>
+        <p:cxnSp>
+          <p:nvCxnSpPr>
+            <p:cNvPr id="10" name="Straight Connector 9"/>
+            <p:cNvCxnSpPr/>
+            <p:nvPr/>
+          </p:nvCxnSpPr>
+          <p:spPr>
+            <a:xfrm flipH="1">
+              <a:off x="10331866" y="2527077"/>
+              <a:ext cx="17091" cy="3093577"/>
+            </a:xfrm>
+            <a:prstGeom prst="line">
+              <a:avLst/>
+            </a:prstGeom>
+            <a:ln w="28575">
+              <a:solidFill>
+                <a:srgbClr val="799594"/>
+              </a:solidFill>
+              <a:prstDash val="sysDash"/>
+            </a:ln>
+          </p:spPr>
+          <p:style>
+            <a:lnRef idx="1">
+              <a:schemeClr val="accent1"/>
+            </a:lnRef>
+            <a:fillRef idx="0">
+              <a:schemeClr val="accent1"/>
+            </a:fillRef>
+            <a:effectRef idx="0">
+              <a:schemeClr val="accent1"/>
+            </a:effectRef>
+            <a:fontRef idx="minor">
+              <a:schemeClr val="tx1"/>
+            </a:fontRef>
+          </p:style>
+        </p:cxnSp>
+        <p:cxnSp>
+          <p:nvCxnSpPr>
+            <p:cNvPr id="14" name="Straight Connector 13"/>
+            <p:cNvCxnSpPr/>
+            <p:nvPr/>
+          </p:nvCxnSpPr>
+          <p:spPr>
+            <a:xfrm>
+              <a:off x="3415797" y="5632262"/>
+              <a:ext cx="6916069" cy="0"/>
+            </a:xfrm>
+            <a:prstGeom prst="line">
+              <a:avLst/>
+            </a:prstGeom>
+            <a:ln w="28575">
+              <a:solidFill>
+                <a:srgbClr val="799594"/>
+              </a:solidFill>
+              <a:prstDash val="sysDash"/>
+            </a:ln>
+          </p:spPr>
+          <p:style>
+            <a:lnRef idx="1">
+              <a:schemeClr val="accent1"/>
+            </a:lnRef>
+            <a:fillRef idx="0">
+              <a:schemeClr val="accent1"/>
+            </a:fillRef>
+            <a:effectRef idx="0">
+              <a:schemeClr val="accent1"/>
+            </a:effectRef>
+            <a:fontRef idx="minor">
+              <a:schemeClr val="tx1"/>
+            </a:fontRef>
+          </p:style>
+        </p:cxnSp>
+        <p:cxnSp>
+          <p:nvCxnSpPr>
+            <p:cNvPr id="15" name="Straight Connector 14"/>
+            <p:cNvCxnSpPr/>
+            <p:nvPr/>
+          </p:nvCxnSpPr>
+          <p:spPr>
+            <a:xfrm>
+              <a:off x="5349560" y="2528279"/>
+              <a:ext cx="4982306" cy="10406"/>
+            </a:xfrm>
+            <a:prstGeom prst="line">
+              <a:avLst/>
+            </a:prstGeom>
+            <a:ln w="28575">
+              <a:solidFill>
+                <a:srgbClr val="799594"/>
+              </a:solidFill>
+              <a:prstDash val="sysDash"/>
+            </a:ln>
+          </p:spPr>
+          <p:style>
+            <a:lnRef idx="1">
+              <a:schemeClr val="accent1"/>
+            </a:lnRef>
+            <a:fillRef idx="0">
+              <a:schemeClr val="accent1"/>
+            </a:fillRef>
+            <a:effectRef idx="0">
+              <a:schemeClr val="accent1"/>
+            </a:effectRef>
+            <a:fontRef idx="minor">
+              <a:schemeClr val="tx1"/>
+            </a:fontRef>
+          </p:style>
+        </p:cxnSp>
+      </p:grpSp>
+      <p:sp>
+        <p:nvSpPr>
+          <p:cNvPr id="16" name="TextBox 15"/>
+          <p:cNvSpPr txBox="1"/>
+          <p:nvPr/>
+        </p:nvSpPr>
+        <p:spPr>
+          <a:xfrm>
             <a:off x="3585206" y="2726968"/>
             <a:ext cx="6577251" cy="1631216"/>
           </a:xfrm>
@@ -7021,7 +7568,7 @@
 </p:sld>
 </file>
 
-<file path=ppt/slides/slide8.xml><?xml version="1.0" encoding="utf-8"?>
+<file path=ppt/slides/slide9.xml><?xml version="1.0" encoding="utf-8"?>
 <p:sld xmlns:a="http://schemas.openxmlformats.org/drawingml/2006/main" xmlns:r="http://schemas.openxmlformats.org/officeDocument/2006/relationships" xmlns:p="http://schemas.openxmlformats.org/presentationml/2006/main">
   <p:cSld>
     <p:bg>

--- a/Share/游戏想法_李硕.pptx
+++ b/Share/游戏想法_李硕.pptx
@@ -4843,15 +4843,7 @@
                   <a:schemeClr val="bg1"/>
                 </a:solidFill>
               </a:rPr>
-              <a:t>剧情向，悬念重重，出人意</a:t>
-            </a:r>
-            <a:r>
-              <a:rPr lang="zh-CN" altLang="en-US" sz="2500" dirty="0" smtClean="0">
-                <a:solidFill>
-                  <a:schemeClr val="bg1"/>
-                </a:solidFill>
-              </a:rPr>
-              <a:t>料（做这个）</a:t>
+              <a:t>剧情向，悬念重重，出人意料（做这个）</a:t>
             </a:r>
             <a:endParaRPr lang="zh-CN" altLang="en-US" sz="2500" dirty="0">
               <a:solidFill>
@@ -5743,7 +5735,7 @@
         <p:spPr>
           <a:xfrm>
             <a:off x="3398707" y="1504060"/>
-            <a:ext cx="2260033" cy="369332"/>
+            <a:ext cx="1053651" cy="369332"/>
           </a:xfrm>
           <a:prstGeom prst="rect">
             <a:avLst/>
